--- a/Dev/PG/file/PG25_Slides_template.pptx
+++ b/Dev/PG/file/PG25_Slides_template.pptx
@@ -264,7 +264,7 @@
           <a:p>
             <a:fld id="{F2BE1E43-A16C-084D-A3B7-BE2E2392C80C}" type="datetimeFigureOut">
               <a:rPr kumimoji="1" lang="zh-TW" altLang="en-US" smtClean="0"/>
-              <a:t>2025/9/3</a:t>
+              <a:t>2025/10/12</a:t>
             </a:fld>
             <a:endParaRPr kumimoji="1" lang="zh-TW" altLang="en-US"/>
           </a:p>
@@ -437,7 +437,7 @@
           <a:p>
             <a:fld id="{F2BE1E43-A16C-084D-A3B7-BE2E2392C80C}" type="datetimeFigureOut">
               <a:rPr kumimoji="1" lang="zh-TW" altLang="en-US" smtClean="0"/>
-              <a:t>2025/9/3</a:t>
+              <a:t>2025/10/12</a:t>
             </a:fld>
             <a:endParaRPr kumimoji="1" lang="zh-TW" altLang="en-US"/>
           </a:p>
@@ -620,7 +620,7 @@
           <a:p>
             <a:fld id="{F2BE1E43-A16C-084D-A3B7-BE2E2392C80C}" type="datetimeFigureOut">
               <a:rPr kumimoji="1" lang="zh-TW" altLang="en-US" smtClean="0"/>
-              <a:t>2025/9/3</a:t>
+              <a:t>2025/10/12</a:t>
             </a:fld>
             <a:endParaRPr kumimoji="1" lang="zh-TW" altLang="en-US"/>
           </a:p>
@@ -793,7 +793,7 @@
           <a:p>
             <a:fld id="{F2BE1E43-A16C-084D-A3B7-BE2E2392C80C}" type="datetimeFigureOut">
               <a:rPr kumimoji="1" lang="zh-TW" altLang="en-US" smtClean="0"/>
-              <a:t>2025/9/3</a:t>
+              <a:t>2025/10/12</a:t>
             </a:fld>
             <a:endParaRPr kumimoji="1" lang="zh-TW" altLang="en-US"/>
           </a:p>
@@ -1071,7 +1071,7 @@
           <a:p>
             <a:fld id="{F2BE1E43-A16C-084D-A3B7-BE2E2392C80C}" type="datetimeFigureOut">
               <a:rPr kumimoji="1" lang="zh-TW" altLang="en-US" smtClean="0"/>
-              <a:t>2025/9/3</a:t>
+              <a:t>2025/10/12</a:t>
             </a:fld>
             <a:endParaRPr kumimoji="1" lang="zh-TW" altLang="en-US"/>
           </a:p>
@@ -1286,7 +1286,7 @@
           <a:p>
             <a:fld id="{F2BE1E43-A16C-084D-A3B7-BE2E2392C80C}" type="datetimeFigureOut">
               <a:rPr kumimoji="1" lang="zh-TW" altLang="en-US" smtClean="0"/>
-              <a:t>2025/9/3</a:t>
+              <a:t>2025/10/12</a:t>
             </a:fld>
             <a:endParaRPr kumimoji="1" lang="zh-TW" altLang="en-US"/>
           </a:p>
@@ -1654,7 +1654,7 @@
           <a:p>
             <a:fld id="{F2BE1E43-A16C-084D-A3B7-BE2E2392C80C}" type="datetimeFigureOut">
               <a:rPr kumimoji="1" lang="zh-TW" altLang="en-US" smtClean="0"/>
-              <a:t>2025/9/3</a:t>
+              <a:t>2025/10/12</a:t>
             </a:fld>
             <a:endParaRPr kumimoji="1" lang="zh-TW" altLang="en-US"/>
           </a:p>
@@ -1795,7 +1795,7 @@
           <a:p>
             <a:fld id="{F2BE1E43-A16C-084D-A3B7-BE2E2392C80C}" type="datetimeFigureOut">
               <a:rPr kumimoji="1" lang="zh-TW" altLang="en-US" smtClean="0"/>
-              <a:t>2025/9/3</a:t>
+              <a:t>2025/10/12</a:t>
             </a:fld>
             <a:endParaRPr kumimoji="1" lang="zh-TW" altLang="en-US"/>
           </a:p>
@@ -1908,7 +1908,7 @@
           <a:p>
             <a:fld id="{F2BE1E43-A16C-084D-A3B7-BE2E2392C80C}" type="datetimeFigureOut">
               <a:rPr kumimoji="1" lang="zh-TW" altLang="en-US" smtClean="0"/>
-              <a:t>2025/9/3</a:t>
+              <a:t>2025/10/12</a:t>
             </a:fld>
             <a:endParaRPr kumimoji="1" lang="zh-TW" altLang="en-US"/>
           </a:p>
@@ -2197,7 +2197,7 @@
           <a:p>
             <a:fld id="{F2BE1E43-A16C-084D-A3B7-BE2E2392C80C}" type="datetimeFigureOut">
               <a:rPr kumimoji="1" lang="zh-TW" altLang="en-US" smtClean="0"/>
-              <a:t>2025/9/3</a:t>
+              <a:t>2025/10/12</a:t>
             </a:fld>
             <a:endParaRPr kumimoji="1" lang="zh-TW" altLang="en-US"/>
           </a:p>
@@ -2488,7 +2488,7 @@
           <a:p>
             <a:fld id="{F2BE1E43-A16C-084D-A3B7-BE2E2392C80C}" type="datetimeFigureOut">
               <a:rPr kumimoji="1" lang="zh-TW" altLang="en-US" smtClean="0"/>
-              <a:t>2025/9/3</a:t>
+              <a:t>2025/10/12</a:t>
             </a:fld>
             <a:endParaRPr kumimoji="1" lang="zh-TW" altLang="en-US"/>
           </a:p>
@@ -2704,7 +2704,7 @@
           <a:p>
             <a:fld id="{F2BE1E43-A16C-084D-A3B7-BE2E2392C80C}" type="datetimeFigureOut">
               <a:rPr kumimoji="1" lang="zh-TW" altLang="en-US" smtClean="0"/>
-              <a:t>2025/9/3</a:t>
+              <a:t>2025/10/12</a:t>
             </a:fld>
             <a:endParaRPr kumimoji="1" lang="zh-TW" altLang="en-US"/>
           </a:p>
@@ -3223,6 +3223,29 @@
               </a:rPr>
               <a:t>Author name, </a:t>
             </a:r>
+          </a:p>
+          <a:p>
+            <a:pPr algn="l"/>
+            <a:r>
+              <a:rPr kumimoji="1" lang="en-US" altLang="zh-TW" sz="1800" dirty="0">
+                <a:solidFill>
+                  <a:srgbClr val="616161"/>
+                </a:solidFill>
+                <a:latin typeface="Arial" panose="020B0604020202020204" pitchFamily="34" charset="0"/>
+                <a:cs typeface="Arial" panose="020B0604020202020204" pitchFamily="34" charset="0"/>
+              </a:rPr>
+              <a:t>Author affination </a:t>
+            </a:r>
+            <a:endParaRPr kumimoji="1" lang="zh-TW" altLang="en-US" sz="1800" dirty="0">
+              <a:solidFill>
+                <a:srgbClr val="616161"/>
+              </a:solidFill>
+              <a:latin typeface="Arial" panose="020B0604020202020204" pitchFamily="34" charset="0"/>
+              <a:cs typeface="Arial" panose="020B0604020202020204" pitchFamily="34" charset="0"/>
+            </a:endParaRPr>
+          </a:p>
+          <a:p>
+            <a:pPr algn="l"/>
             <a:endParaRPr kumimoji="1" lang="zh-TW" altLang="en-US" sz="1800" dirty="0">
               <a:solidFill>
                 <a:srgbClr val="616161"/>
